--- a/Segurança da Informação/Aula 05 - Pesquisa para o trabalho/Pesquisa Trabalho Final.pptx
+++ b/Segurança da Informação/Aula 05 - Pesquisa para o trabalho/Pesquisa Trabalho Final.pptx
@@ -5,7 +5,7 @@
     <p:sldMasterId id="2147483677" r:id="rId1"/>
   </p:sldMasterIdLst>
   <p:notesMasterIdLst>
-    <p:notesMasterId r:id="rId10"/>
+    <p:notesMasterId r:id="rId11"/>
   </p:notesMasterIdLst>
   <p:sldIdLst>
     <p:sldId id="256" r:id="rId2"/>
@@ -16,6 +16,7 @@
     <p:sldId id="261" r:id="rId7"/>
     <p:sldId id="262" r:id="rId8"/>
     <p:sldId id="263" r:id="rId9"/>
+    <p:sldId id="264" r:id="rId10"/>
   </p:sldIdLst>
   <p:sldSz cx="12192000" cy="6858000"/>
   <p:notesSz cx="6858000" cy="9144000"/>
@@ -227,7 +228,7 @@
           <a:p>
             <a:fld id="{FCBB45FB-FC1C-4893-B550-48C1193193C6}" type="datetimeFigureOut">
               <a:rPr lang="pt-BR" smtClean="0"/>
-              <a:t>11/03/2025</a:t>
+              <a:t>18/03/2025</a:t>
             </a:fld>
             <a:endParaRPr lang="pt-BR"/>
           </a:p>
@@ -494,6 +495,90 @@
 </p:notesMaster>
 </file>
 
+<file path=ppt/notesSlides/notesSlide1.xml><?xml version="1.0" encoding="utf-8"?>
+<p:notes xmlns:a="http://schemas.openxmlformats.org/drawingml/2006/main" xmlns:r="http://schemas.openxmlformats.org/officeDocument/2006/relationships" xmlns:p="http://schemas.openxmlformats.org/presentationml/2006/main">
+  <p:cSld>
+    <p:spTree>
+      <p:nvGrpSpPr>
+        <p:cNvPr id="1" name=""/>
+        <p:cNvGrpSpPr/>
+        <p:nvPr/>
+      </p:nvGrpSpPr>
+      <p:grpSpPr>
+        <a:xfrm>
+          <a:off x="0" y="0"/>
+          <a:ext cx="0" cy="0"/>
+          <a:chOff x="0" y="0"/>
+          <a:chExt cx="0" cy="0"/>
+        </a:xfrm>
+      </p:grpSpPr>
+      <p:sp>
+        <p:nvSpPr>
+          <p:cNvPr id="2" name="Espaço Reservado para Imagem de Slide 1"/>
+          <p:cNvSpPr>
+            <a:spLocks noGrp="1" noRot="1" noChangeAspect="1"/>
+          </p:cNvSpPr>
+          <p:nvPr>
+            <p:ph type="sldImg"/>
+          </p:nvPr>
+        </p:nvSpPr>
+        <p:spPr/>
+      </p:sp>
+      <p:sp>
+        <p:nvSpPr>
+          <p:cNvPr id="3" name="Espaço Reservado para Anotações 2"/>
+          <p:cNvSpPr>
+            <a:spLocks noGrp="1"/>
+          </p:cNvSpPr>
+          <p:nvPr>
+            <p:ph type="body" idx="1"/>
+          </p:nvPr>
+        </p:nvSpPr>
+        <p:spPr/>
+        <p:txBody>
+          <a:bodyPr/>
+          <a:lstStyle/>
+          <a:p>
+            <a:endParaRPr lang="pt-BR" dirty="0"/>
+          </a:p>
+        </p:txBody>
+      </p:sp>
+      <p:sp>
+        <p:nvSpPr>
+          <p:cNvPr id="4" name="Espaço Reservado para Número de Slide 3"/>
+          <p:cNvSpPr>
+            <a:spLocks noGrp="1"/>
+          </p:cNvSpPr>
+          <p:nvPr>
+            <p:ph type="sldNum" sz="quarter" idx="5"/>
+          </p:nvPr>
+        </p:nvSpPr>
+        <p:spPr/>
+        <p:txBody>
+          <a:bodyPr/>
+          <a:lstStyle/>
+          <a:p>
+            <a:fld id="{1C800886-2B44-4102-B316-2BF70C094002}" type="slidenum">
+              <a:rPr lang="pt-BR" smtClean="0"/>
+              <a:t>1</a:t>
+            </a:fld>
+            <a:endParaRPr lang="pt-BR"/>
+          </a:p>
+        </p:txBody>
+      </p:sp>
+    </p:spTree>
+    <p:extLst>
+      <p:ext uri="{BB962C8B-B14F-4D97-AF65-F5344CB8AC3E}">
+        <p14:creationId xmlns:p14="http://schemas.microsoft.com/office/powerpoint/2010/main" val="1405638459"/>
+      </p:ext>
+    </p:extLst>
+  </p:cSld>
+  <p:clrMapOvr>
+    <a:masterClrMapping/>
+  </p:clrMapOvr>
+</p:notes>
+</file>
+
 <file path=ppt/slideLayouts/slideLayout1.xml><?xml version="1.0" encoding="utf-8"?>
 <p:sldLayout xmlns:a="http://schemas.openxmlformats.org/drawingml/2006/main" xmlns:r="http://schemas.openxmlformats.org/officeDocument/2006/relationships" xmlns:p="http://schemas.openxmlformats.org/presentationml/2006/main" type="title" preserve="1">
   <p:cSld name="Slide de Título">
@@ -930,7 +1015,7 @@
           <a:p>
             <a:fld id="{CDD55C27-F8C6-4481-8569-CAC50CAE9F1F}" type="datetimeFigureOut">
               <a:rPr lang="pt-BR" smtClean="0"/>
-              <a:t>11/03/2025</a:t>
+              <a:t>18/03/2025</a:t>
             </a:fld>
             <a:endParaRPr lang="pt-BR"/>
           </a:p>
@@ -1420,7 +1505,7 @@
           <a:p>
             <a:fld id="{CDD55C27-F8C6-4481-8569-CAC50CAE9F1F}" type="datetimeFigureOut">
               <a:rPr lang="pt-BR" smtClean="0"/>
-              <a:t>11/03/2025</a:t>
+              <a:t>18/03/2025</a:t>
             </a:fld>
             <a:endParaRPr lang="pt-BR"/>
           </a:p>
@@ -1723,7 +1808,7 @@
           <a:p>
             <a:fld id="{CDD55C27-F8C6-4481-8569-CAC50CAE9F1F}" type="datetimeFigureOut">
               <a:rPr lang="pt-BR" smtClean="0"/>
-              <a:t>11/03/2025</a:t>
+              <a:t>18/03/2025</a:t>
             </a:fld>
             <a:endParaRPr lang="pt-BR"/>
           </a:p>
@@ -2174,7 +2259,7 @@
           <a:p>
             <a:fld id="{CDD55C27-F8C6-4481-8569-CAC50CAE9F1F}" type="datetimeFigureOut">
               <a:rPr lang="pt-BR" smtClean="0"/>
-              <a:t>11/03/2025</a:t>
+              <a:t>18/03/2025</a:t>
             </a:fld>
             <a:endParaRPr lang="pt-BR"/>
           </a:p>
@@ -2347,7 +2432,7 @@
           <a:p>
             <a:fld id="{CDD55C27-F8C6-4481-8569-CAC50CAE9F1F}" type="datetimeFigureOut">
               <a:rPr lang="pt-BR" smtClean="0"/>
-              <a:t>11/03/2025</a:t>
+              <a:t>18/03/2025</a:t>
             </a:fld>
             <a:endParaRPr lang="pt-BR"/>
           </a:p>
@@ -2484,7 +2569,7 @@
           <a:p>
             <a:fld id="{CDD55C27-F8C6-4481-8569-CAC50CAE9F1F}" type="datetimeFigureOut">
               <a:rPr lang="pt-BR" smtClean="0"/>
-              <a:t>11/03/2025</a:t>
+              <a:t>18/03/2025</a:t>
             </a:fld>
             <a:endParaRPr lang="pt-BR"/>
           </a:p>
@@ -2828,7 +2913,7 @@
           <a:p>
             <a:fld id="{CDD55C27-F8C6-4481-8569-CAC50CAE9F1F}" type="datetimeFigureOut">
               <a:rPr lang="pt-BR" smtClean="0"/>
-              <a:t>11/03/2025</a:t>
+              <a:t>18/03/2025</a:t>
             </a:fld>
             <a:endParaRPr lang="pt-BR"/>
           </a:p>
@@ -3149,7 +3234,7 @@
           <a:p>
             <a:fld id="{CDD55C27-F8C6-4481-8569-CAC50CAE9F1F}" type="datetimeFigureOut">
               <a:rPr lang="pt-BR" smtClean="0"/>
-              <a:t>11/03/2025</a:t>
+              <a:t>18/03/2025</a:t>
             </a:fld>
             <a:endParaRPr lang="pt-BR"/>
           </a:p>
@@ -5071,6 +5156,145 @@
     <p:extLst>
       <p:ext uri="{BB962C8B-B14F-4D97-AF65-F5344CB8AC3E}">
         <p14:creationId xmlns:p14="http://schemas.microsoft.com/office/powerpoint/2010/main" val="1429195991"/>
+      </p:ext>
+    </p:extLst>
+  </p:cSld>
+  <p:clrMapOvr>
+    <a:masterClrMapping/>
+  </p:clrMapOvr>
+</p:sld>
+</file>
+
+<file path=ppt/slides/slide9.xml><?xml version="1.0" encoding="utf-8"?>
+<p:sld xmlns:a="http://schemas.openxmlformats.org/drawingml/2006/main" xmlns:r="http://schemas.openxmlformats.org/officeDocument/2006/relationships" xmlns:p="http://schemas.openxmlformats.org/presentationml/2006/main">
+  <p:cSld>
+    <p:spTree>
+      <p:nvGrpSpPr>
+        <p:cNvPr id="1" name=""/>
+        <p:cNvGrpSpPr/>
+        <p:nvPr/>
+      </p:nvGrpSpPr>
+      <p:grpSpPr>
+        <a:xfrm>
+          <a:off x="0" y="0"/>
+          <a:ext cx="0" cy="0"/>
+          <a:chOff x="0" y="0"/>
+          <a:chExt cx="0" cy="0"/>
+        </a:xfrm>
+      </p:grpSpPr>
+      <p:sp>
+        <p:nvSpPr>
+          <p:cNvPr id="2" name="Título 1">
+            <a:extLst>
+              <a:ext uri="{FF2B5EF4-FFF2-40B4-BE49-F238E27FC236}">
+                <a16:creationId xmlns:a16="http://schemas.microsoft.com/office/drawing/2014/main" id="{2CD7CF11-6D4C-B2E7-53E1-01AAD382D40F}"/>
+              </a:ext>
+            </a:extLst>
+          </p:cNvPr>
+          <p:cNvSpPr>
+            <a:spLocks noGrp="1"/>
+          </p:cNvSpPr>
+          <p:nvPr>
+            <p:ph type="title"/>
+          </p:nvPr>
+        </p:nvSpPr>
+        <p:spPr/>
+        <p:txBody>
+          <a:bodyPr/>
+          <a:lstStyle/>
+          <a:p>
+            <a:r>
+              <a:rPr lang="pt-BR" dirty="0"/>
+              <a:t>Orientações para as Pesquisas</a:t>
+            </a:r>
+          </a:p>
+        </p:txBody>
+      </p:sp>
+      <p:sp>
+        <p:nvSpPr>
+          <p:cNvPr id="3" name="Espaço Reservado para Conteúdo 2">
+            <a:extLst>
+              <a:ext uri="{FF2B5EF4-FFF2-40B4-BE49-F238E27FC236}">
+                <a16:creationId xmlns:a16="http://schemas.microsoft.com/office/drawing/2014/main" id="{DD3AA01E-73B5-77F6-D200-1AACE48A8FB6}"/>
+              </a:ext>
+            </a:extLst>
+          </p:cNvPr>
+          <p:cNvSpPr>
+            <a:spLocks noGrp="1"/>
+          </p:cNvSpPr>
+          <p:nvPr>
+            <p:ph idx="1"/>
+          </p:nvPr>
+        </p:nvSpPr>
+        <p:spPr>
+          <a:xfrm>
+            <a:off x="592347" y="1844675"/>
+            <a:ext cx="11007306" cy="4351338"/>
+          </a:xfrm>
+        </p:spPr>
+        <p:txBody>
+          <a:bodyPr/>
+          <a:lstStyle/>
+          <a:p>
+            <a:r>
+              <a:rPr lang="pt-BR" dirty="0"/>
+              <a:t>Cada grupo deverá realizar uma pesquisa sobre o tema designado, abordando os seguintes pontos:</a:t>
+            </a:r>
+          </a:p>
+          <a:p>
+            <a:pPr lvl="1"/>
+            <a:r>
+              <a:rPr lang="pt-BR" dirty="0"/>
+              <a:t>Introdução</a:t>
+            </a:r>
+          </a:p>
+          <a:p>
+            <a:pPr lvl="2"/>
+            <a:r>
+              <a:rPr lang="pt-BR" dirty="0"/>
+              <a:t>Apresentar o tema e sua importância, destacando por que a segurança da informação é essencial no desenvolvimento de aplicativos.</a:t>
+            </a:r>
+          </a:p>
+          <a:p>
+            <a:pPr lvl="1"/>
+            <a:r>
+              <a:rPr lang="pt-BR" dirty="0"/>
+              <a:t>Desenvolvimento</a:t>
+            </a:r>
+          </a:p>
+          <a:p>
+            <a:pPr lvl="2"/>
+            <a:r>
+              <a:rPr lang="pt-BR" dirty="0"/>
+              <a:t>Explorar o conteúdo específico do tema do grupo, explicando conceitos, práticas recomendadas, ferramentas e exemplos relevantes.</a:t>
+            </a:r>
+          </a:p>
+          <a:p>
+            <a:pPr lvl="1"/>
+            <a:r>
+              <a:rPr lang="pt-BR" dirty="0"/>
+              <a:t>Conclusão</a:t>
+            </a:r>
+          </a:p>
+          <a:p>
+            <a:pPr lvl="2"/>
+            <a:r>
+              <a:rPr lang="pt-BR" dirty="0"/>
+              <a:t>Reforçar a importância do tema abordado e apresentar recomendações ou boas práticas para garantir a segurança da informação nos aplicativos.</a:t>
+            </a:r>
+          </a:p>
+          <a:p>
+            <a:r>
+              <a:rPr lang="pt-BR" dirty="0"/>
+              <a:t>Cada integrante do grupo deve contribuir na pesquisa e estar preparado para apresentar sua parte. Recomendo que utilizem exemplos práticos e recursos visuais para enriquecer a apresentação.</a:t>
+            </a:r>
+          </a:p>
+        </p:txBody>
+      </p:sp>
+    </p:spTree>
+    <p:extLst>
+      <p:ext uri="{BB962C8B-B14F-4D97-AF65-F5344CB8AC3E}">
+        <p14:creationId xmlns:p14="http://schemas.microsoft.com/office/powerpoint/2010/main" val="4026360794"/>
       </p:ext>
     </p:extLst>
   </p:cSld>

--- a/Segurança da Informação/Aula 05 - Pesquisa para o trabalho/Pesquisa Trabalho Final.pptx
+++ b/Segurança da Informação/Aula 05 - Pesquisa para o trabalho/Pesquisa Trabalho Final.pptx
@@ -15,8 +15,8 @@
     <p:sldId id="260" r:id="rId6"/>
     <p:sldId id="261" r:id="rId7"/>
     <p:sldId id="262" r:id="rId8"/>
-    <p:sldId id="263" r:id="rId9"/>
-    <p:sldId id="264" r:id="rId10"/>
+    <p:sldId id="264" r:id="rId9"/>
+    <p:sldId id="263" r:id="rId10"/>
   </p:sldIdLst>
   <p:sldSz cx="12192000" cy="6858000"/>
   <p:notesSz cx="6858000" cy="9144000"/>
@@ -228,7 +228,7 @@
           <a:p>
             <a:fld id="{FCBB45FB-FC1C-4893-B550-48C1193193C6}" type="datetimeFigureOut">
               <a:rPr lang="pt-BR" smtClean="0"/>
-              <a:t>18/03/2025</a:t>
+              <a:t>19/03/2025</a:t>
             </a:fld>
             <a:endParaRPr lang="pt-BR"/>
           </a:p>
@@ -1015,7 +1015,7 @@
           <a:p>
             <a:fld id="{CDD55C27-F8C6-4481-8569-CAC50CAE9F1F}" type="datetimeFigureOut">
               <a:rPr lang="pt-BR" smtClean="0"/>
-              <a:t>18/03/2025</a:t>
+              <a:t>19/03/2025</a:t>
             </a:fld>
             <a:endParaRPr lang="pt-BR"/>
           </a:p>
@@ -1505,7 +1505,7 @@
           <a:p>
             <a:fld id="{CDD55C27-F8C6-4481-8569-CAC50CAE9F1F}" type="datetimeFigureOut">
               <a:rPr lang="pt-BR" smtClean="0"/>
-              <a:t>18/03/2025</a:t>
+              <a:t>19/03/2025</a:t>
             </a:fld>
             <a:endParaRPr lang="pt-BR"/>
           </a:p>
@@ -1808,7 +1808,7 @@
           <a:p>
             <a:fld id="{CDD55C27-F8C6-4481-8569-CAC50CAE9F1F}" type="datetimeFigureOut">
               <a:rPr lang="pt-BR" smtClean="0"/>
-              <a:t>18/03/2025</a:t>
+              <a:t>19/03/2025</a:t>
             </a:fld>
             <a:endParaRPr lang="pt-BR"/>
           </a:p>
@@ -2259,7 +2259,7 @@
           <a:p>
             <a:fld id="{CDD55C27-F8C6-4481-8569-CAC50CAE9F1F}" type="datetimeFigureOut">
               <a:rPr lang="pt-BR" smtClean="0"/>
-              <a:t>18/03/2025</a:t>
+              <a:t>19/03/2025</a:t>
             </a:fld>
             <a:endParaRPr lang="pt-BR"/>
           </a:p>
@@ -2432,7 +2432,7 @@
           <a:p>
             <a:fld id="{CDD55C27-F8C6-4481-8569-CAC50CAE9F1F}" type="datetimeFigureOut">
               <a:rPr lang="pt-BR" smtClean="0"/>
-              <a:t>18/03/2025</a:t>
+              <a:t>19/03/2025</a:t>
             </a:fld>
             <a:endParaRPr lang="pt-BR"/>
           </a:p>
@@ -2569,7 +2569,7 @@
           <a:p>
             <a:fld id="{CDD55C27-F8C6-4481-8569-CAC50CAE9F1F}" type="datetimeFigureOut">
               <a:rPr lang="pt-BR" smtClean="0"/>
-              <a:t>18/03/2025</a:t>
+              <a:t>19/03/2025</a:t>
             </a:fld>
             <a:endParaRPr lang="pt-BR"/>
           </a:p>
@@ -2913,7 +2913,7 @@
           <a:p>
             <a:fld id="{CDD55C27-F8C6-4481-8569-CAC50CAE9F1F}" type="datetimeFigureOut">
               <a:rPr lang="pt-BR" smtClean="0"/>
-              <a:t>18/03/2025</a:t>
+              <a:t>19/03/2025</a:t>
             </a:fld>
             <a:endParaRPr lang="pt-BR"/>
           </a:p>
@@ -3234,7 +3234,7 @@
           <a:p>
             <a:fld id="{CDD55C27-F8C6-4481-8569-CAC50CAE9F1F}" type="datetimeFigureOut">
               <a:rPr lang="pt-BR" smtClean="0"/>
-              <a:t>18/03/2025</a:t>
+              <a:t>19/03/2025</a:t>
             </a:fld>
             <a:endParaRPr lang="pt-BR"/>
           </a:p>
@@ -5001,7 +5001,7 @@
           <p:cNvPr id="2" name="Título 1">
             <a:extLst>
               <a:ext uri="{FF2B5EF4-FFF2-40B4-BE49-F238E27FC236}">
-                <a16:creationId xmlns:a16="http://schemas.microsoft.com/office/drawing/2014/main" id="{790F33D1-6A4A-4BEC-BCFC-39B74D9905A8}"/>
+                <a16:creationId xmlns:a16="http://schemas.microsoft.com/office/drawing/2014/main" id="{2CD7CF11-6D4C-B2E7-53E1-01AAD382D40F}"/>
               </a:ext>
             </a:extLst>
           </p:cNvPr>
@@ -5019,7 +5019,7 @@
           <a:p>
             <a:r>
               <a:rPr lang="pt-BR" dirty="0"/>
-              <a:t>Orientações para as Apresentações</a:t>
+              <a:t>Orientações para as Pesquisas</a:t>
             </a:r>
           </a:p>
         </p:txBody>
@@ -5029,7 +5029,7 @@
           <p:cNvPr id="3" name="Espaço Reservado para Conteúdo 2">
             <a:extLst>
               <a:ext uri="{FF2B5EF4-FFF2-40B4-BE49-F238E27FC236}">
-                <a16:creationId xmlns:a16="http://schemas.microsoft.com/office/drawing/2014/main" id="{01B2DBB4-CF12-462B-BB0C-EA99062715F1}"/>
+                <a16:creationId xmlns:a16="http://schemas.microsoft.com/office/drawing/2014/main" id="{DD3AA01E-73B5-77F6-D200-1AACE48A8FB6}"/>
               </a:ext>
             </a:extLst>
           </p:cNvPr>
@@ -5043,111 +5043,64 @@
         <p:spPr>
           <a:xfrm>
             <a:off x="592347" y="1844675"/>
-            <a:ext cx="11007306" cy="4566064"/>
+            <a:ext cx="11007306" cy="4351338"/>
           </a:xfrm>
         </p:spPr>
         <p:txBody>
           <a:bodyPr/>
           <a:lstStyle/>
           <a:p>
-            <a:pPr marL="0" lvl="1" indent="0">
-              <a:spcBef>
-                <a:spcPts val="0"/>
-              </a:spcBef>
-              <a:buNone/>
-            </a:pPr>
-            <a:r>
-              <a:rPr lang="pt-BR" sz="2000" b="1" dirty="0"/>
-              <a:t>Orientações para as Apresentações</a:t>
-            </a:r>
-            <a:endParaRPr lang="pt-BR" sz="2000" dirty="0"/>
-          </a:p>
-          <a:p>
-            <a:pPr lvl="1">
-              <a:spcBef>
-                <a:spcPts val="0"/>
-              </a:spcBef>
-            </a:pPr>
-            <a:r>
-              <a:rPr lang="pt-BR" sz="2000" dirty="0"/>
-              <a:t>Divisão de responsabilidades: Cada integrante deve participar explicando uma parte do conteúdo.</a:t>
-            </a:r>
-          </a:p>
-          <a:p>
-            <a:pPr lvl="1">
-              <a:spcBef>
-                <a:spcPts val="0"/>
-              </a:spcBef>
-            </a:pPr>
-            <a:r>
-              <a:rPr lang="pt-BR" sz="2000" dirty="0"/>
-              <a:t>Exemplos práticos: Sempre que possível, incluir simulações ou demonstrações que ilustrem a teoria.</a:t>
-            </a:r>
-          </a:p>
-          <a:p>
-            <a:pPr lvl="1">
-              <a:spcBef>
-                <a:spcPts val="0"/>
-              </a:spcBef>
-            </a:pPr>
-            <a:r>
-              <a:rPr lang="pt-BR" sz="2000" dirty="0"/>
-              <a:t>Estrutura sugerida:</a:t>
-            </a:r>
-          </a:p>
-          <a:p>
-            <a:pPr lvl="2">
-              <a:spcBef>
-                <a:spcPts val="0"/>
-              </a:spcBef>
-            </a:pPr>
-            <a:r>
-              <a:rPr lang="pt-BR" sz="1800" dirty="0"/>
-              <a:t>Introdução ao tema</a:t>
-            </a:r>
-          </a:p>
-          <a:p>
-            <a:pPr lvl="2">
-              <a:spcBef>
-                <a:spcPts val="0"/>
-              </a:spcBef>
-            </a:pPr>
-            <a:r>
-              <a:rPr lang="pt-BR" sz="1800" dirty="0"/>
-              <a:t>Explicação teórica com exemplos</a:t>
-            </a:r>
-          </a:p>
-          <a:p>
-            <a:pPr lvl="2">
-              <a:spcBef>
-                <a:spcPts val="0"/>
-              </a:spcBef>
-            </a:pPr>
-            <a:r>
-              <a:rPr lang="pt-BR" sz="1800" dirty="0"/>
-              <a:t>Demonstração prática ou estudo de caso </a:t>
-            </a:r>
-          </a:p>
-          <a:p>
-            <a:pPr lvl="2">
-              <a:spcBef>
-                <a:spcPts val="0"/>
-              </a:spcBef>
-            </a:pPr>
-            <a:r>
-              <a:rPr lang="pt-BR" sz="1800" dirty="0"/>
-              <a:t>Conclusão destacando a importância do tema</a:t>
-            </a:r>
-          </a:p>
-          <a:p>
-            <a:pPr lvl="1">
-              <a:spcBef>
-                <a:spcPts val="0"/>
-              </a:spcBef>
-            </a:pPr>
-            <a:r>
-              <a:rPr lang="pt-BR" sz="2000" dirty="0"/>
-              <a:t>Uso de recursos visuais: Utilize slides, diagramas e gráficos para facilitar a compreensão.</a:t>
+            <a:r>
+              <a:rPr lang="pt-BR" dirty="0"/>
+              <a:t>Cada grupo deverá realizar uma pesquisa sobre o tema designado, abordando os seguintes pontos:</a:t>
+            </a:r>
+          </a:p>
+          <a:p>
+            <a:pPr lvl="1"/>
+            <a:r>
+              <a:rPr lang="pt-BR" dirty="0"/>
+              <a:t>Introdução</a:t>
+            </a:r>
+          </a:p>
+          <a:p>
+            <a:pPr lvl="2"/>
+            <a:r>
+              <a:rPr lang="pt-BR" dirty="0"/>
+              <a:t>Apresentar o tema e sua importância, destacando por que a segurança da informação é essencial no desenvolvimento de aplicativos.</a:t>
+            </a:r>
+          </a:p>
+          <a:p>
+            <a:pPr lvl="1"/>
+            <a:r>
+              <a:rPr lang="pt-BR" dirty="0"/>
+              <a:t>Desenvolvimento</a:t>
+            </a:r>
+          </a:p>
+          <a:p>
+            <a:pPr lvl="2"/>
+            <a:r>
+              <a:rPr lang="pt-BR" dirty="0"/>
+              <a:t>Explorar o conteúdo específico do tema do grupo, explicando conceitos, práticas recomendadas, ferramentas e exemplos relevantes.</a:t>
+            </a:r>
+          </a:p>
+          <a:p>
+            <a:pPr lvl="1"/>
+            <a:r>
+              <a:rPr lang="pt-BR" dirty="0"/>
+              <a:t>Conclusão</a:t>
+            </a:r>
+          </a:p>
+          <a:p>
+            <a:pPr lvl="2"/>
+            <a:r>
+              <a:rPr lang="pt-BR" dirty="0"/>
+              <a:t>Reforçar a importância do tema abordado e apresentar recomendações ou boas práticas para garantir a segurança da informação nos aplicativos.</a:t>
+            </a:r>
+          </a:p>
+          <a:p>
+            <a:r>
+              <a:rPr lang="pt-BR" dirty="0"/>
+              <a:t>Cada integrante do grupo deve contribuir na pesquisa e estar preparado para apresentar sua parte. </a:t>
             </a:r>
           </a:p>
         </p:txBody>
@@ -5155,7 +5108,7 @@
     </p:spTree>
     <p:extLst>
       <p:ext uri="{BB962C8B-B14F-4D97-AF65-F5344CB8AC3E}">
-        <p14:creationId xmlns:p14="http://schemas.microsoft.com/office/powerpoint/2010/main" val="1429195991"/>
+        <p14:creationId xmlns:p14="http://schemas.microsoft.com/office/powerpoint/2010/main" val="4026360794"/>
       </p:ext>
     </p:extLst>
   </p:cSld>
@@ -5187,7 +5140,7 @@
           <p:cNvPr id="2" name="Título 1">
             <a:extLst>
               <a:ext uri="{FF2B5EF4-FFF2-40B4-BE49-F238E27FC236}">
-                <a16:creationId xmlns:a16="http://schemas.microsoft.com/office/drawing/2014/main" id="{2CD7CF11-6D4C-B2E7-53E1-01AAD382D40F}"/>
+                <a16:creationId xmlns:a16="http://schemas.microsoft.com/office/drawing/2014/main" id="{790F33D1-6A4A-4BEC-BCFC-39B74D9905A8}"/>
               </a:ext>
             </a:extLst>
           </p:cNvPr>
@@ -5205,7 +5158,7 @@
           <a:p>
             <a:r>
               <a:rPr lang="pt-BR" dirty="0"/>
-              <a:t>Orientações para as Pesquisas</a:t>
+              <a:t>Orientações para as Apresentações</a:t>
             </a:r>
           </a:p>
         </p:txBody>
@@ -5215,7 +5168,7 @@
           <p:cNvPr id="3" name="Espaço Reservado para Conteúdo 2">
             <a:extLst>
               <a:ext uri="{FF2B5EF4-FFF2-40B4-BE49-F238E27FC236}">
-                <a16:creationId xmlns:a16="http://schemas.microsoft.com/office/drawing/2014/main" id="{DD3AA01E-73B5-77F6-D200-1AACE48A8FB6}"/>
+                <a16:creationId xmlns:a16="http://schemas.microsoft.com/office/drawing/2014/main" id="{01B2DBB4-CF12-462B-BB0C-EA99062715F1}"/>
               </a:ext>
             </a:extLst>
           </p:cNvPr>
@@ -5229,64 +5182,111 @@
         <p:spPr>
           <a:xfrm>
             <a:off x="592347" y="1844675"/>
-            <a:ext cx="11007306" cy="4351338"/>
+            <a:ext cx="11007306" cy="4566064"/>
           </a:xfrm>
         </p:spPr>
         <p:txBody>
           <a:bodyPr/>
           <a:lstStyle/>
           <a:p>
-            <a:r>
-              <a:rPr lang="pt-BR" dirty="0"/>
-              <a:t>Cada grupo deverá realizar uma pesquisa sobre o tema designado, abordando os seguintes pontos:</a:t>
-            </a:r>
-          </a:p>
-          <a:p>
-            <a:pPr lvl="1"/>
-            <a:r>
-              <a:rPr lang="pt-BR" dirty="0"/>
-              <a:t>Introdução</a:t>
-            </a:r>
-          </a:p>
-          <a:p>
-            <a:pPr lvl="2"/>
-            <a:r>
-              <a:rPr lang="pt-BR" dirty="0"/>
-              <a:t>Apresentar o tema e sua importância, destacando por que a segurança da informação é essencial no desenvolvimento de aplicativos.</a:t>
-            </a:r>
-          </a:p>
-          <a:p>
-            <a:pPr lvl="1"/>
-            <a:r>
-              <a:rPr lang="pt-BR" dirty="0"/>
-              <a:t>Desenvolvimento</a:t>
-            </a:r>
-          </a:p>
-          <a:p>
-            <a:pPr lvl="2"/>
-            <a:r>
-              <a:rPr lang="pt-BR" dirty="0"/>
-              <a:t>Explorar o conteúdo específico do tema do grupo, explicando conceitos, práticas recomendadas, ferramentas e exemplos relevantes.</a:t>
-            </a:r>
-          </a:p>
-          <a:p>
-            <a:pPr lvl="1"/>
-            <a:r>
-              <a:rPr lang="pt-BR" dirty="0"/>
-              <a:t>Conclusão</a:t>
-            </a:r>
-          </a:p>
-          <a:p>
-            <a:pPr lvl="2"/>
-            <a:r>
-              <a:rPr lang="pt-BR" dirty="0"/>
-              <a:t>Reforçar a importância do tema abordado e apresentar recomendações ou boas práticas para garantir a segurança da informação nos aplicativos.</a:t>
-            </a:r>
-          </a:p>
-          <a:p>
-            <a:r>
-              <a:rPr lang="pt-BR" dirty="0"/>
-              <a:t>Cada integrante do grupo deve contribuir na pesquisa e estar preparado para apresentar sua parte. Recomendo que utilizem exemplos práticos e recursos visuais para enriquecer a apresentação.</a:t>
+            <a:pPr marL="0" lvl="1" indent="0">
+              <a:spcBef>
+                <a:spcPts val="0"/>
+              </a:spcBef>
+              <a:buNone/>
+            </a:pPr>
+            <a:r>
+              <a:rPr lang="pt-BR" sz="2000" b="1" dirty="0"/>
+              <a:t>Orientações para as Apresentações</a:t>
+            </a:r>
+            <a:endParaRPr lang="pt-BR" sz="2000" dirty="0"/>
+          </a:p>
+          <a:p>
+            <a:pPr lvl="1">
+              <a:spcBef>
+                <a:spcPts val="0"/>
+              </a:spcBef>
+            </a:pPr>
+            <a:r>
+              <a:rPr lang="pt-BR" sz="2000" dirty="0"/>
+              <a:t>Divisão de responsabilidades: Cada integrante deve participar explicando uma parte do conteúdo.</a:t>
+            </a:r>
+          </a:p>
+          <a:p>
+            <a:pPr lvl="1">
+              <a:spcBef>
+                <a:spcPts val="0"/>
+              </a:spcBef>
+            </a:pPr>
+            <a:r>
+              <a:rPr lang="pt-BR" sz="2000" dirty="0"/>
+              <a:t>Exemplos práticos: Sempre que possível, incluir simulações ou demonstrações que ilustrem a teoria.</a:t>
+            </a:r>
+          </a:p>
+          <a:p>
+            <a:pPr lvl="1">
+              <a:spcBef>
+                <a:spcPts val="0"/>
+              </a:spcBef>
+            </a:pPr>
+            <a:r>
+              <a:rPr lang="pt-BR" sz="2000" dirty="0"/>
+              <a:t>Estrutura sugerida:</a:t>
+            </a:r>
+          </a:p>
+          <a:p>
+            <a:pPr lvl="2">
+              <a:spcBef>
+                <a:spcPts val="0"/>
+              </a:spcBef>
+            </a:pPr>
+            <a:r>
+              <a:rPr lang="pt-BR" sz="1800" dirty="0"/>
+              <a:t>Introdução ao tema</a:t>
+            </a:r>
+          </a:p>
+          <a:p>
+            <a:pPr lvl="2">
+              <a:spcBef>
+                <a:spcPts val="0"/>
+              </a:spcBef>
+            </a:pPr>
+            <a:r>
+              <a:rPr lang="pt-BR" sz="1800" dirty="0"/>
+              <a:t>Explicação teórica com exemplos</a:t>
+            </a:r>
+          </a:p>
+          <a:p>
+            <a:pPr lvl="2">
+              <a:spcBef>
+                <a:spcPts val="0"/>
+              </a:spcBef>
+            </a:pPr>
+            <a:r>
+              <a:rPr lang="pt-BR" sz="1800" dirty="0"/>
+              <a:t>Demonstração prática ou estudo de caso </a:t>
+            </a:r>
+          </a:p>
+          <a:p>
+            <a:pPr lvl="2">
+              <a:spcBef>
+                <a:spcPts val="0"/>
+              </a:spcBef>
+            </a:pPr>
+            <a:r>
+              <a:rPr lang="pt-BR" sz="1800" dirty="0"/>
+              <a:t>Conclusão destacando a importância do tema</a:t>
+            </a:r>
+          </a:p>
+          <a:p>
+            <a:pPr lvl="1">
+              <a:spcBef>
+                <a:spcPts val="0"/>
+              </a:spcBef>
+            </a:pPr>
+            <a:r>
+              <a:rPr lang="pt-BR" sz="2000" dirty="0"/>
+              <a:t>Uso de recursos visuais: Utilize slides, diagramas e gráficos para facilitar a compreensão.</a:t>
             </a:r>
           </a:p>
         </p:txBody>
@@ -5294,7 +5294,7 @@
     </p:spTree>
     <p:extLst>
       <p:ext uri="{BB962C8B-B14F-4D97-AF65-F5344CB8AC3E}">
-        <p14:creationId xmlns:p14="http://schemas.microsoft.com/office/powerpoint/2010/main" val="4026360794"/>
+        <p14:creationId xmlns:p14="http://schemas.microsoft.com/office/powerpoint/2010/main" val="1429195991"/>
       </p:ext>
     </p:extLst>
   </p:cSld>
